--- a/atlas/Charts_CO.pptx
+++ b/atlas/Charts_CO.pptx
@@ -196,7 +196,7 @@
 </file>
 
 <file path=ppt/charts/chart1.xml><?xml version="1.0" encoding="utf-8"?>
-<c:chartSpace xmlns:c="http://schemas.openxmlformats.org/drawingml/2006/chart" xmlns:a="http://schemas.openxmlformats.org/drawingml/2006/main" xmlns:r="http://schemas.openxmlformats.org/officeDocument/2006/relationships" xmlns:c16r2="http://schemas.microsoft.com/office/drawing/2015/06/chart">
+<c:chartSpace xmlns:c="http://schemas.openxmlformats.org/drawingml/2006/chart" xmlns:a="http://schemas.openxmlformats.org/drawingml/2006/main" xmlns:r="http://schemas.openxmlformats.org/officeDocument/2006/relationships">
   <c:date1904 val="0"/>
   <c:lang val="en-US"/>
   <c:roundedCorners val="0"/>
@@ -265,7 +265,7 @@
                 </a:solidFill>
               </a:ln>
             </c:spPr>
-            <c:extLst>
+            <c:extLst xmlns:c16r2="http://schemas.microsoft.com/office/drawing/2015/06/chart">
               <c:ext xmlns:c16="http://schemas.microsoft.com/office/drawing/2014/chart" uri="{C3380CC4-5D6E-409C-BE32-E72D297353CC}">
                 <c16:uniqueId val="{00000001-8736-45E8-9A75-E7722D74EA10}"/>
               </c:ext>
@@ -285,7 +285,7 @@
                 </a:solidFill>
               </a:ln>
             </c:spPr>
-            <c:extLst>
+            <c:extLst xmlns:c16r2="http://schemas.microsoft.com/office/drawing/2015/06/chart">
               <c:ext xmlns:c16="http://schemas.microsoft.com/office/drawing/2014/chart" uri="{C3380CC4-5D6E-409C-BE32-E72D297353CC}">
                 <c16:uniqueId val="{00000003-8736-45E8-9A75-E7722D74EA10}"/>
               </c:ext>
@@ -305,7 +305,7 @@
                 </a:solidFill>
               </a:ln>
             </c:spPr>
-            <c:extLst>
+            <c:extLst xmlns:c16r2="http://schemas.microsoft.com/office/drawing/2015/06/chart">
               <c:ext xmlns:c16="http://schemas.microsoft.com/office/drawing/2014/chart" uri="{C3380CC4-5D6E-409C-BE32-E72D297353CC}">
                 <c16:uniqueId val="{00000005-8736-45E8-9A75-E7722D74EA10}"/>
               </c:ext>
@@ -325,7 +325,7 @@
                 </a:solidFill>
               </a:ln>
             </c:spPr>
-            <c:extLst>
+            <c:extLst xmlns:c16r2="http://schemas.microsoft.com/office/drawing/2015/06/chart">
               <c:ext xmlns:c16="http://schemas.microsoft.com/office/drawing/2014/chart" uri="{C3380CC4-5D6E-409C-BE32-E72D297353CC}">
                 <c16:uniqueId val="{00000007-8736-45E8-9A75-E7722D74EA10}"/>
               </c:ext>
@@ -378,7 +378,7 @@
               </c:numCache>
             </c:numRef>
           </c:val>
-          <c:extLst>
+          <c:extLst xmlns:c16r2="http://schemas.microsoft.com/office/drawing/2015/06/chart">
             <c:ext xmlns:c16="http://schemas.microsoft.com/office/drawing/2014/chart" uri="{C3380CC4-5D6E-409C-BE32-E72D297353CC}">
               <c16:uniqueId val="{00000008-8736-45E8-9A75-E7722D74EA10}"/>
             </c:ext>
@@ -393,11 +393,11 @@
           <c:showBubbleSize val="0"/>
         </c:dLbls>
         <c:gapWidth val="56"/>
-        <c:axId val="425465800"/>
-        <c:axId val="425463840"/>
+        <c:axId val="661493496"/>
+        <c:axId val="661494672"/>
       </c:barChart>
       <c:catAx>
-        <c:axId val="425465800"/>
+        <c:axId val="661493496"/>
         <c:scaling>
           <c:orientation val="minMax"/>
         </c:scaling>
@@ -417,7 +417,7 @@
             <a:endParaRPr lang="en-US"/>
           </a:p>
         </c:txPr>
-        <c:crossAx val="425463840"/>
+        <c:crossAx val="661494672"/>
         <c:crosses val="autoZero"/>
         <c:auto val="1"/>
         <c:lblAlgn val="ctr"/>
@@ -425,7 +425,7 @@
         <c:noMultiLvlLbl val="0"/>
       </c:catAx>
       <c:valAx>
-        <c:axId val="425463840"/>
+        <c:axId val="661494672"/>
         <c:scaling>
           <c:orientation val="minMax"/>
           <c:max val="100"/>
@@ -452,7 +452,7 @@
             <a:endParaRPr lang="en-US"/>
           </a:p>
         </c:txPr>
-        <c:crossAx val="425465800"/>
+        <c:crossAx val="661493496"/>
         <c:crosses val="autoZero"/>
         <c:crossBetween val="between"/>
         <c:majorUnit val="25"/>
@@ -484,7 +484,7 @@
 </file>
 
 <file path=ppt/charts/chart10.xml><?xml version="1.0" encoding="utf-8"?>
-<c:chartSpace xmlns:c="http://schemas.openxmlformats.org/drawingml/2006/chart" xmlns:a="http://schemas.openxmlformats.org/drawingml/2006/main" xmlns:r="http://schemas.openxmlformats.org/officeDocument/2006/relationships" xmlns:c16r2="http://schemas.microsoft.com/office/drawing/2015/06/chart">
+<c:chartSpace xmlns:c="http://schemas.openxmlformats.org/drawingml/2006/chart" xmlns:a="http://schemas.openxmlformats.org/drawingml/2006/main" xmlns:r="http://schemas.openxmlformats.org/officeDocument/2006/relationships">
   <c:date1904 val="0"/>
   <c:lang val="en-US"/>
   <c:roundedCorners val="0"/>
@@ -565,7 +565,7 @@
               </c:numCache>
             </c:numRef>
           </c:val>
-          <c:extLst>
+          <c:extLst xmlns:c16r2="http://schemas.microsoft.com/office/drawing/2015/06/chart">
             <c:ext xmlns:c16="http://schemas.microsoft.com/office/drawing/2014/chart" uri="{C3380CC4-5D6E-409C-BE32-E72D297353CC}">
               <c16:uniqueId val="{00000000-A1E9-4A6E-92C1-0EE9ACB5E69F}"/>
             </c:ext>
@@ -580,11 +580,11 @@
           <c:showBubbleSize val="0"/>
         </c:dLbls>
         <c:gapWidth val="180"/>
-        <c:axId val="424906176"/>
-        <c:axId val="424905000"/>
+        <c:axId val="483446168"/>
+        <c:axId val="483445776"/>
       </c:barChart>
       <c:catAx>
-        <c:axId val="424906176"/>
+        <c:axId val="483446168"/>
         <c:scaling>
           <c:orientation val="minMax"/>
         </c:scaling>
@@ -611,7 +611,7 @@
             <a:endParaRPr lang="en-US"/>
           </a:p>
         </c:txPr>
-        <c:crossAx val="424905000"/>
+        <c:crossAx val="483445776"/>
         <c:crosses val="autoZero"/>
         <c:auto val="1"/>
         <c:lblAlgn val="ctr"/>
@@ -619,7 +619,7 @@
         <c:noMultiLvlLbl val="0"/>
       </c:catAx>
       <c:valAx>
-        <c:axId val="424905000"/>
+        <c:axId val="483445776"/>
         <c:scaling>
           <c:orientation val="minMax"/>
           <c:max val="100"/>
@@ -662,7 +662,7 @@
             <a:endParaRPr lang="en-US"/>
           </a:p>
         </c:txPr>
-        <c:crossAx val="424906176"/>
+        <c:crossAx val="483446168"/>
         <c:crosses val="autoZero"/>
         <c:crossBetween val="between"/>
         <c:majorUnit val="25"/>
@@ -689,7 +689,7 @@
 </file>
 
 <file path=ppt/charts/chart11.xml><?xml version="1.0" encoding="utf-8"?>
-<c:chartSpace xmlns:c="http://schemas.openxmlformats.org/drawingml/2006/chart" xmlns:a="http://schemas.openxmlformats.org/drawingml/2006/main" xmlns:r="http://schemas.openxmlformats.org/officeDocument/2006/relationships" xmlns:c16r2="http://schemas.microsoft.com/office/drawing/2015/06/chart">
+<c:chartSpace xmlns:c="http://schemas.openxmlformats.org/drawingml/2006/chart" xmlns:a="http://schemas.openxmlformats.org/drawingml/2006/main" xmlns:r="http://schemas.openxmlformats.org/officeDocument/2006/relationships">
   <c:date1904 val="0"/>
   <c:lang val="en-US"/>
   <c:roundedCorners val="0"/>
@@ -758,7 +758,7 @@
                 </a:solidFill>
               </a:ln>
             </c:spPr>
-            <c:extLst>
+            <c:extLst xmlns:c16r2="http://schemas.microsoft.com/office/drawing/2015/06/chart">
               <c:ext xmlns:c16="http://schemas.microsoft.com/office/drawing/2014/chart" uri="{C3380CC4-5D6E-409C-BE32-E72D297353CC}">
                 <c16:uniqueId val="{00000001-EAFA-4EF8-9805-82967022B749}"/>
               </c:ext>
@@ -793,7 +793,7 @@
               </c:numCache>
             </c:numRef>
           </c:val>
-          <c:extLst>
+          <c:extLst xmlns:c16r2="http://schemas.microsoft.com/office/drawing/2015/06/chart">
             <c:ext xmlns:c16="http://schemas.microsoft.com/office/drawing/2014/chart" uri="{C3380CC4-5D6E-409C-BE32-E72D297353CC}">
               <c16:uniqueId val="{00000002-EAFA-4EF8-9805-82967022B749}"/>
             </c:ext>
@@ -835,7 +835,7 @@
                 </a:solidFill>
               </a:ln>
             </c:spPr>
-            <c:extLst>
+            <c:extLst xmlns:c16r2="http://schemas.microsoft.com/office/drawing/2015/06/chart">
               <c:ext xmlns:c16="http://schemas.microsoft.com/office/drawing/2014/chart" uri="{C3380CC4-5D6E-409C-BE32-E72D297353CC}">
                 <c16:uniqueId val="{00000004-EAFA-4EF8-9805-82967022B749}"/>
               </c:ext>
@@ -870,7 +870,7 @@
               </c:numCache>
             </c:numRef>
           </c:val>
-          <c:extLst>
+          <c:extLst xmlns:c16r2="http://schemas.microsoft.com/office/drawing/2015/06/chart">
             <c:ext xmlns:c16="http://schemas.microsoft.com/office/drawing/2014/chart" uri="{C3380CC4-5D6E-409C-BE32-E72D297353CC}">
               <c16:uniqueId val="{00000005-EAFA-4EF8-9805-82967022B749}"/>
             </c:ext>
@@ -915,7 +915,7 @@
                 </a:solidFill>
               </a:ln>
             </c:spPr>
-            <c:extLst>
+            <c:extLst xmlns:c16r2="http://schemas.microsoft.com/office/drawing/2015/06/chart">
               <c:ext xmlns:c16="http://schemas.microsoft.com/office/drawing/2014/chart" uri="{C3380CC4-5D6E-409C-BE32-E72D297353CC}">
                 <c16:uniqueId val="{00000007-EAFA-4EF8-9805-82967022B749}"/>
               </c:ext>
@@ -950,7 +950,7 @@
               </c:numCache>
             </c:numRef>
           </c:val>
-          <c:extLst>
+          <c:extLst xmlns:c16r2="http://schemas.microsoft.com/office/drawing/2015/06/chart">
             <c:ext xmlns:c16="http://schemas.microsoft.com/office/drawing/2014/chart" uri="{C3380CC4-5D6E-409C-BE32-E72D297353CC}">
               <c16:uniqueId val="{00000008-EAFA-4EF8-9805-82967022B749}"/>
             </c:ext>
@@ -966,11 +966,11 @@
         </c:dLbls>
         <c:gapWidth val="130"/>
         <c:overlap val="-20"/>
-        <c:axId val="425466192"/>
-        <c:axId val="425464232"/>
+        <c:axId val="191123416"/>
+        <c:axId val="191119104"/>
       </c:barChart>
       <c:catAx>
-        <c:axId val="425466192"/>
+        <c:axId val="191123416"/>
         <c:scaling>
           <c:orientation val="minMax"/>
         </c:scaling>
@@ -987,7 +987,7 @@
             </a:solidFill>
           </a:ln>
         </c:spPr>
-        <c:crossAx val="425464232"/>
+        <c:crossAx val="191119104"/>
         <c:crosses val="autoZero"/>
         <c:auto val="1"/>
         <c:lblAlgn val="ctr"/>
@@ -995,7 +995,7 @@
         <c:noMultiLvlLbl val="0"/>
       </c:catAx>
       <c:valAx>
-        <c:axId val="425464232"/>
+        <c:axId val="191119104"/>
         <c:scaling>
           <c:orientation val="minMax"/>
           <c:max val="100"/>
@@ -1035,7 +1035,7 @@
             <a:endParaRPr lang="en-US"/>
           </a:p>
         </c:txPr>
-        <c:crossAx val="425466192"/>
+        <c:crossAx val="191123416"/>
         <c:crosses val="autoZero"/>
         <c:crossBetween val="between"/>
         <c:majorUnit val="25"/>
@@ -1062,7 +1062,7 @@
 </file>
 
 <file path=ppt/charts/chart12.xml><?xml version="1.0" encoding="utf-8"?>
-<c:chartSpace xmlns:c="http://schemas.openxmlformats.org/drawingml/2006/chart" xmlns:a="http://schemas.openxmlformats.org/drawingml/2006/main" xmlns:r="http://schemas.openxmlformats.org/officeDocument/2006/relationships" xmlns:c16r2="http://schemas.microsoft.com/office/drawing/2015/06/chart">
+<c:chartSpace xmlns:c="http://schemas.openxmlformats.org/drawingml/2006/chart" xmlns:a="http://schemas.openxmlformats.org/drawingml/2006/main" xmlns:r="http://schemas.openxmlformats.org/officeDocument/2006/relationships">
   <c:date1904 val="0"/>
   <c:lang val="en-US"/>
   <c:roundedCorners val="0"/>
@@ -1143,7 +1143,7 @@
               </c:numCache>
             </c:numRef>
           </c:val>
-          <c:extLst>
+          <c:extLst xmlns:c16r2="http://schemas.microsoft.com/office/drawing/2015/06/chart">
             <c:ext xmlns:c16="http://schemas.microsoft.com/office/drawing/2014/chart" uri="{C3380CC4-5D6E-409C-BE32-E72D297353CC}">
               <c16:uniqueId val="{00000000-DF86-4AEB-915B-818C70C711D5}"/>
             </c:ext>
@@ -1197,7 +1197,7 @@
               </c:numCache>
             </c:numRef>
           </c:val>
-          <c:extLst>
+          <c:extLst xmlns:c16r2="http://schemas.microsoft.com/office/drawing/2015/06/chart">
             <c:ext xmlns:c16="http://schemas.microsoft.com/office/drawing/2014/chart" uri="{C3380CC4-5D6E-409C-BE32-E72D297353CC}">
               <c16:uniqueId val="{00000001-DF86-4AEB-915B-818C70C711D5}"/>
             </c:ext>
@@ -1242,7 +1242,7 @@
                 </a:solidFill>
               </a:ln>
             </c:spPr>
-            <c:extLst>
+            <c:extLst xmlns:c16r2="http://schemas.microsoft.com/office/drawing/2015/06/chart">
               <c:ext xmlns:c16="http://schemas.microsoft.com/office/drawing/2014/chart" uri="{C3380CC4-5D6E-409C-BE32-E72D297353CC}">
                 <c16:uniqueId val="{00000000-9FA7-400D-BD72-249A9B5802DD}"/>
               </c:ext>
@@ -1262,7 +1262,7 @@
                 </a:solidFill>
               </a:ln>
             </c:spPr>
-            <c:extLst>
+            <c:extLst xmlns:c16r2="http://schemas.microsoft.com/office/drawing/2015/06/chart">
               <c:ext xmlns:c16="http://schemas.microsoft.com/office/drawing/2014/chart" uri="{C3380CC4-5D6E-409C-BE32-E72D297353CC}">
                 <c16:uniqueId val="{00000001-9FA7-400D-BD72-249A9B5802DD}"/>
               </c:ext>
@@ -1294,7 +1294,7 @@
               </c:numCache>
             </c:numRef>
           </c:val>
-          <c:extLst>
+          <c:extLst xmlns:c16r2="http://schemas.microsoft.com/office/drawing/2015/06/chart">
             <c:ext xmlns:c16="http://schemas.microsoft.com/office/drawing/2014/chart" uri="{C3380CC4-5D6E-409C-BE32-E72D297353CC}">
               <c16:uniqueId val="{00000002-DF86-4AEB-915B-818C70C711D5}"/>
             </c:ext>
@@ -1309,11 +1309,11 @@
           <c:showBubbleSize val="0"/>
         </c:dLbls>
         <c:gapWidth val="150"/>
-        <c:axId val="424375360"/>
-        <c:axId val="361848296"/>
+        <c:axId val="191123024"/>
+        <c:axId val="541547304"/>
       </c:barChart>
       <c:catAx>
-        <c:axId val="424375360"/>
+        <c:axId val="191123024"/>
         <c:scaling>
           <c:orientation val="minMax"/>
         </c:scaling>
@@ -1330,7 +1330,7 @@
             </a:solidFill>
           </a:ln>
         </c:spPr>
-        <c:crossAx val="361848296"/>
+        <c:crossAx val="541547304"/>
         <c:crosses val="autoZero"/>
         <c:auto val="1"/>
         <c:lblAlgn val="ctr"/>
@@ -1338,7 +1338,7 @@
         <c:noMultiLvlLbl val="0"/>
       </c:catAx>
       <c:valAx>
-        <c:axId val="361848296"/>
+        <c:axId val="541547304"/>
         <c:scaling>
           <c:orientation val="minMax"/>
         </c:scaling>
@@ -1377,7 +1377,7 @@
             <a:endParaRPr lang="en-US"/>
           </a:p>
         </c:txPr>
-        <c:crossAx val="424375360"/>
+        <c:crossAx val="191123024"/>
         <c:crosses val="autoZero"/>
         <c:crossBetween val="between"/>
       </c:valAx>
@@ -1404,7 +1404,7 @@
 </file>
 
 <file path=ppt/charts/chart13.xml><?xml version="1.0" encoding="utf-8"?>
-<c:chartSpace xmlns:c="http://schemas.openxmlformats.org/drawingml/2006/chart" xmlns:a="http://schemas.openxmlformats.org/drawingml/2006/main" xmlns:r="http://schemas.openxmlformats.org/officeDocument/2006/relationships" xmlns:c16r2="http://schemas.microsoft.com/office/drawing/2015/06/chart">
+<c:chartSpace xmlns:c="http://schemas.openxmlformats.org/drawingml/2006/chart" xmlns:a="http://schemas.openxmlformats.org/drawingml/2006/main" xmlns:r="http://schemas.openxmlformats.org/officeDocument/2006/relationships">
   <c:date1904 val="0"/>
   <c:lang val="en-US"/>
   <c:roundedCorners val="0"/>
@@ -1475,7 +1475,7 @@
               </a:ln>
               <a:effectLst/>
             </c:spPr>
-            <c:extLst>
+            <c:extLst xmlns:c16r2="http://schemas.microsoft.com/office/drawing/2015/06/chart">
               <c:ext xmlns:c16="http://schemas.microsoft.com/office/drawing/2014/chart" uri="{C3380CC4-5D6E-409C-BE32-E72D297353CC}">
                 <c16:uniqueId val="{00000001-8091-43AB-8943-90ED7F8E319B}"/>
               </c:ext>
@@ -1496,7 +1496,7 @@
               </a:ln>
               <a:effectLst/>
             </c:spPr>
-            <c:extLst>
+            <c:extLst xmlns:c16r2="http://schemas.microsoft.com/office/drawing/2015/06/chart">
               <c:ext xmlns:c16="http://schemas.microsoft.com/office/drawing/2014/chart" uri="{C3380CC4-5D6E-409C-BE32-E72D297353CC}">
                 <c16:uniqueId val="{00000002-8091-43AB-8943-90ED7F8E319B}"/>
               </c:ext>
@@ -1517,7 +1517,7 @@
               </a:ln>
               <a:effectLst/>
             </c:spPr>
-            <c:extLst>
+            <c:extLst xmlns:c16r2="http://schemas.microsoft.com/office/drawing/2015/06/chart">
               <c:ext xmlns:c16="http://schemas.microsoft.com/office/drawing/2014/chart" uri="{C3380CC4-5D6E-409C-BE32-E72D297353CC}">
                 <c16:uniqueId val="{00000004-8091-43AB-8943-90ED7F8E319B}"/>
               </c:ext>
@@ -1538,7 +1538,7 @@
               </a:ln>
               <a:effectLst/>
             </c:spPr>
-            <c:extLst>
+            <c:extLst xmlns:c16r2="http://schemas.microsoft.com/office/drawing/2015/06/chart">
               <c:ext xmlns:c16="http://schemas.microsoft.com/office/drawing/2014/chart" uri="{C3380CC4-5D6E-409C-BE32-E72D297353CC}">
                 <c16:uniqueId val="{00000005-8091-43AB-8943-90ED7F8E319B}"/>
               </c:ext>
@@ -1559,7 +1559,7 @@
               </a:ln>
               <a:effectLst/>
             </c:spPr>
-            <c:extLst>
+            <c:extLst xmlns:c16r2="http://schemas.microsoft.com/office/drawing/2015/06/chart">
               <c:ext xmlns:c16="http://schemas.microsoft.com/office/drawing/2014/chart" uri="{C3380CC4-5D6E-409C-BE32-E72D297353CC}">
                 <c16:uniqueId val="{00000007-8091-43AB-8943-90ED7F8E319B}"/>
               </c:ext>
@@ -1580,7 +1580,7 @@
               </a:ln>
               <a:effectLst/>
             </c:spPr>
-            <c:extLst>
+            <c:extLst xmlns:c16r2="http://schemas.microsoft.com/office/drawing/2015/06/chart">
               <c:ext xmlns:c16="http://schemas.microsoft.com/office/drawing/2014/chart" uri="{C3380CC4-5D6E-409C-BE32-E72D297353CC}">
                 <c16:uniqueId val="{00000008-8091-43AB-8943-90ED7F8E319B}"/>
               </c:ext>
@@ -1651,7 +1651,7 @@
               </c:numCache>
             </c:numRef>
           </c:val>
-          <c:extLst>
+          <c:extLst xmlns:c16r2="http://schemas.microsoft.com/office/drawing/2015/06/chart">
             <c:ext xmlns:c16="http://schemas.microsoft.com/office/drawing/2014/chart" uri="{C3380CC4-5D6E-409C-BE32-E72D297353CC}">
               <c16:uniqueId val="{00000009-8091-43AB-8943-90ED7F8E319B}"/>
             </c:ext>
@@ -1667,11 +1667,11 @@
         </c:dLbls>
         <c:gapWidth val="20"/>
         <c:overlap val="31"/>
-        <c:axId val="423686888"/>
-        <c:axId val="510763400"/>
+        <c:axId val="409982808"/>
+        <c:axId val="660506944"/>
       </c:barChart>
       <c:catAx>
-        <c:axId val="423686888"/>
+        <c:axId val="409982808"/>
         <c:scaling>
           <c:orientation val="minMax"/>
         </c:scaling>
@@ -1688,7 +1688,7 @@
             </a:solidFill>
           </a:ln>
         </c:spPr>
-        <c:crossAx val="510763400"/>
+        <c:crossAx val="660506944"/>
         <c:crosses val="autoZero"/>
         <c:auto val="1"/>
         <c:lblAlgn val="ctr"/>
@@ -1697,7 +1697,7 @@
         <c:noMultiLvlLbl val="0"/>
       </c:catAx>
       <c:valAx>
-        <c:axId val="510763400"/>
+        <c:axId val="660506944"/>
         <c:scaling>
           <c:orientation val="minMax"/>
           <c:max val="30"/>
@@ -1738,7 +1738,7 @@
             <a:endParaRPr lang="en-US"/>
           </a:p>
         </c:txPr>
-        <c:crossAx val="423686888"/>
+        <c:crossAx val="409982808"/>
         <c:crosses val="autoZero"/>
         <c:crossBetween val="midCat"/>
         <c:majorUnit val="5"/>
@@ -1774,7 +1774,7 @@
 </file>
 
 <file path=ppt/charts/chart14.xml><?xml version="1.0" encoding="utf-8"?>
-<c:chartSpace xmlns:c="http://schemas.openxmlformats.org/drawingml/2006/chart" xmlns:a="http://schemas.openxmlformats.org/drawingml/2006/main" xmlns:r="http://schemas.openxmlformats.org/officeDocument/2006/relationships" xmlns:c16r2="http://schemas.microsoft.com/office/drawing/2015/06/chart">
+<c:chartSpace xmlns:c="http://schemas.openxmlformats.org/drawingml/2006/chart" xmlns:a="http://schemas.openxmlformats.org/drawingml/2006/main" xmlns:r="http://schemas.openxmlformats.org/officeDocument/2006/relationships">
   <c:date1904 val="0"/>
   <c:lang val="en-US"/>
   <c:roundedCorners val="0"/>
@@ -1862,7 +1862,7 @@
               </c:numCache>
             </c:numRef>
           </c:val>
-          <c:extLst>
+          <c:extLst xmlns:c16r2="http://schemas.microsoft.com/office/drawing/2015/06/chart">
             <c:ext xmlns:c16="http://schemas.microsoft.com/office/drawing/2014/chart" uri="{C3380CC4-5D6E-409C-BE32-E72D297353CC}">
               <c16:uniqueId val="{00000000-064E-419F-8CDF-F27921C659DA}"/>
             </c:ext>
@@ -1877,11 +1877,11 @@
           <c:showBubbleSize val="0"/>
         </c:dLbls>
         <c:gapWidth val="150"/>
-        <c:axId val="520135640"/>
-        <c:axId val="520136032"/>
+        <c:axId val="729599328"/>
+        <c:axId val="729599720"/>
       </c:barChart>
       <c:catAx>
-        <c:axId val="520135640"/>
+        <c:axId val="729599328"/>
         <c:scaling>
           <c:orientation val="minMax"/>
         </c:scaling>
@@ -1908,7 +1908,7 @@
             <a:endParaRPr lang="en-US"/>
           </a:p>
         </c:txPr>
-        <c:crossAx val="520136032"/>
+        <c:crossAx val="729599720"/>
         <c:crosses val="autoZero"/>
         <c:auto val="1"/>
         <c:lblAlgn val="ctr"/>
@@ -1916,7 +1916,7 @@
         <c:noMultiLvlLbl val="0"/>
       </c:catAx>
       <c:valAx>
-        <c:axId val="520136032"/>
+        <c:axId val="729599720"/>
         <c:scaling>
           <c:orientation val="minMax"/>
           <c:max val="100"/>
@@ -1956,7 +1956,7 @@
             <a:endParaRPr lang="en-US"/>
           </a:p>
         </c:txPr>
-        <c:crossAx val="520135640"/>
+        <c:crossAx val="729599328"/>
         <c:crosses val="autoZero"/>
         <c:crossBetween val="between"/>
         <c:majorUnit val="25"/>
@@ -1983,7 +1983,7 @@
 </file>
 
 <file path=ppt/charts/chart15.xml><?xml version="1.0" encoding="utf-8"?>
-<c:chartSpace xmlns:c="http://schemas.openxmlformats.org/drawingml/2006/chart" xmlns:a="http://schemas.openxmlformats.org/drawingml/2006/main" xmlns:r="http://schemas.openxmlformats.org/officeDocument/2006/relationships" xmlns:c16r2="http://schemas.microsoft.com/office/drawing/2015/06/chart">
+<c:chartSpace xmlns:c="http://schemas.openxmlformats.org/drawingml/2006/chart" xmlns:a="http://schemas.openxmlformats.org/drawingml/2006/main" xmlns:r="http://schemas.openxmlformats.org/officeDocument/2006/relationships">
   <c:date1904 val="0"/>
   <c:lang val="en-US"/>
   <c:roundedCorners val="0"/>
@@ -2029,9 +2029,7 @@
           </c:tx>
           <c:spPr>
             <a:solidFill>
-              <a:schemeClr val="bg1">
-                <a:lumMod val="75000"/>
-              </a:schemeClr>
+              <a:schemeClr val="accent4"/>
             </a:solidFill>
             <a:ln w="3175">
               <a:solidFill>
@@ -2070,7 +2068,7 @@
               </c:numCache>
             </c:numRef>
           </c:val>
-          <c:extLst>
+          <c:extLst xmlns:c16r2="http://schemas.microsoft.com/office/drawing/2015/06/chart">
             <c:ext xmlns:c16="http://schemas.microsoft.com/office/drawing/2014/chart" uri="{C3380CC4-5D6E-409C-BE32-E72D297353CC}">
               <c16:uniqueId val="{00000000-0FAD-40E2-8CE7-2F9756853A33}"/>
             </c:ext>
@@ -2117,7 +2115,7 @@
               </a:ln>
               <a:effectLst/>
             </c:spPr>
-            <c:extLst>
+            <c:extLst xmlns:c16r2="http://schemas.microsoft.com/office/drawing/2015/06/chart">
               <c:ext xmlns:c16="http://schemas.microsoft.com/office/drawing/2014/chart" uri="{C3380CC4-5D6E-409C-BE32-E72D297353CC}">
                 <c16:uniqueId val="{00000002-0FAD-40E2-8CE7-2F9756853A33}"/>
               </c:ext>
@@ -2138,7 +2136,7 @@
               </a:ln>
               <a:effectLst/>
             </c:spPr>
-            <c:extLst>
+            <c:extLst xmlns:c16r2="http://schemas.microsoft.com/office/drawing/2015/06/chart">
               <c:ext xmlns:c16="http://schemas.microsoft.com/office/drawing/2014/chart" uri="{C3380CC4-5D6E-409C-BE32-E72D297353CC}">
                 <c16:uniqueId val="{00000004-0FAD-40E2-8CE7-2F9756853A33}"/>
               </c:ext>
@@ -2159,7 +2157,7 @@
               </a:ln>
               <a:effectLst/>
             </c:spPr>
-            <c:extLst>
+            <c:extLst xmlns:c16r2="http://schemas.microsoft.com/office/drawing/2015/06/chart">
               <c:ext xmlns:c16="http://schemas.microsoft.com/office/drawing/2014/chart" uri="{C3380CC4-5D6E-409C-BE32-E72D297353CC}">
                 <c16:uniqueId val="{00000006-0FAD-40E2-8CE7-2F9756853A33}"/>
               </c:ext>
@@ -2194,7 +2192,7 @@
               </c:numCache>
             </c:numRef>
           </c:val>
-          <c:extLst>
+          <c:extLst xmlns:c16r2="http://schemas.microsoft.com/office/drawing/2015/06/chart">
             <c:ext xmlns:c16="http://schemas.microsoft.com/office/drawing/2014/chart" uri="{C3380CC4-5D6E-409C-BE32-E72D297353CC}">
               <c16:uniqueId val="{00000007-0FAD-40E2-8CE7-2F9756853A33}"/>
             </c:ext>
@@ -2208,13 +2206,13 @@
           <c:showPercent val="0"/>
           <c:showBubbleSize val="0"/>
         </c:dLbls>
-        <c:gapWidth val="50"/>
+        <c:gapWidth val="190"/>
         <c:overlap val="100"/>
-        <c:axId val="514054776"/>
-        <c:axId val="514055168"/>
+        <c:axId val="661493104"/>
+        <c:axId val="661496632"/>
       </c:barChart>
       <c:catAx>
-        <c:axId val="514054776"/>
+        <c:axId val="661493104"/>
         <c:scaling>
           <c:orientation val="minMax"/>
         </c:scaling>
@@ -2231,7 +2229,7 @@
             </a:solidFill>
           </a:ln>
         </c:spPr>
-        <c:crossAx val="514055168"/>
+        <c:crossAx val="661496632"/>
         <c:crosses val="autoZero"/>
         <c:auto val="1"/>
         <c:lblAlgn val="ctr"/>
@@ -2239,7 +2237,7 @@
         <c:noMultiLvlLbl val="0"/>
       </c:catAx>
       <c:valAx>
-        <c:axId val="514055168"/>
+        <c:axId val="661496632"/>
         <c:scaling>
           <c:orientation val="minMax"/>
           <c:max val="200"/>
@@ -2279,7 +2277,7 @@
             <a:endParaRPr lang="en-US"/>
           </a:p>
         </c:txPr>
-        <c:crossAx val="514054776"/>
+        <c:crossAx val="661493104"/>
         <c:crosses val="autoZero"/>
         <c:crossBetween val="between"/>
         <c:majorUnit val="50"/>
@@ -2312,7 +2310,7 @@
 </file>
 
 <file path=ppt/charts/chart2.xml><?xml version="1.0" encoding="utf-8"?>
-<c:chartSpace xmlns:c="http://schemas.openxmlformats.org/drawingml/2006/chart" xmlns:a="http://schemas.openxmlformats.org/drawingml/2006/main" xmlns:r="http://schemas.openxmlformats.org/officeDocument/2006/relationships" xmlns:c16r2="http://schemas.microsoft.com/office/drawing/2015/06/chart">
+<c:chartSpace xmlns:c="http://schemas.openxmlformats.org/drawingml/2006/chart" xmlns:a="http://schemas.openxmlformats.org/drawingml/2006/main" xmlns:r="http://schemas.openxmlformats.org/officeDocument/2006/relationships">
   <c:date1904 val="0"/>
   <c:lang val="en-US"/>
   <c:roundedCorners val="0"/>
@@ -2371,7 +2369,7 @@
             <c:idx val="0"/>
             <c:invertIfNegative val="0"/>
             <c:bubble3D val="0"/>
-            <c:extLst>
+            <c:extLst xmlns:c16r2="http://schemas.microsoft.com/office/drawing/2015/06/chart">
               <c:ext xmlns:c16="http://schemas.microsoft.com/office/drawing/2014/chart" uri="{C3380CC4-5D6E-409C-BE32-E72D297353CC}">
                 <c16:uniqueId val="{00000000-407B-4267-81F1-1BBB1DD2A022}"/>
               </c:ext>
@@ -2391,7 +2389,7 @@
                 </a:solidFill>
               </a:ln>
             </c:spPr>
-            <c:extLst>
+            <c:extLst xmlns:c16r2="http://schemas.microsoft.com/office/drawing/2015/06/chart">
               <c:ext xmlns:c16="http://schemas.microsoft.com/office/drawing/2014/chart" uri="{C3380CC4-5D6E-409C-BE32-E72D297353CC}">
                 <c16:uniqueId val="{00000002-407B-4267-81F1-1BBB1DD2A022}"/>
               </c:ext>
@@ -2411,7 +2409,7 @@
                 </a:solidFill>
               </a:ln>
             </c:spPr>
-            <c:extLst>
+            <c:extLst xmlns:c16r2="http://schemas.microsoft.com/office/drawing/2015/06/chart">
               <c:ext xmlns:c16="http://schemas.microsoft.com/office/drawing/2014/chart" uri="{C3380CC4-5D6E-409C-BE32-E72D297353CC}">
                 <c16:uniqueId val="{00000004-407B-4267-81F1-1BBB1DD2A022}"/>
               </c:ext>
@@ -2431,7 +2429,7 @@
                 </a:solidFill>
               </a:ln>
             </c:spPr>
-            <c:extLst>
+            <c:extLst xmlns:c16r2="http://schemas.microsoft.com/office/drawing/2015/06/chart">
               <c:ext xmlns:c16="http://schemas.microsoft.com/office/drawing/2014/chart" uri="{C3380CC4-5D6E-409C-BE32-E72D297353CC}">
                 <c16:uniqueId val="{00000006-407B-4267-81F1-1BBB1DD2A022}"/>
               </c:ext>
@@ -2451,7 +2449,7 @@
                 </a:solidFill>
               </a:ln>
             </c:spPr>
-            <c:extLst>
+            <c:extLst xmlns:c16r2="http://schemas.microsoft.com/office/drawing/2015/06/chart">
               <c:ext xmlns:c16="http://schemas.microsoft.com/office/drawing/2014/chart" uri="{C3380CC4-5D6E-409C-BE32-E72D297353CC}">
                 <c16:uniqueId val="{00000008-407B-4267-81F1-1BBB1DD2A022}"/>
               </c:ext>
@@ -2504,7 +2502,7 @@
               </c:numCache>
             </c:numRef>
           </c:val>
-          <c:extLst>
+          <c:extLst xmlns:c16r2="http://schemas.microsoft.com/office/drawing/2015/06/chart">
             <c:ext xmlns:c16="http://schemas.microsoft.com/office/drawing/2014/chart" uri="{C3380CC4-5D6E-409C-BE32-E72D297353CC}">
               <c16:uniqueId val="{00000009-407B-4267-81F1-1BBB1DD2A022}"/>
             </c:ext>
@@ -2519,11 +2517,11 @@
           <c:showBubbleSize val="0"/>
         </c:dLbls>
         <c:gapWidth val="56"/>
-        <c:axId val="512844872"/>
-        <c:axId val="512718512"/>
+        <c:axId val="661485656"/>
+        <c:axId val="661488400"/>
       </c:barChart>
       <c:catAx>
-        <c:axId val="512844872"/>
+        <c:axId val="661485656"/>
         <c:scaling>
           <c:orientation val="minMax"/>
         </c:scaling>
@@ -2543,7 +2541,7 @@
             <a:endParaRPr lang="en-US"/>
           </a:p>
         </c:txPr>
-        <c:crossAx val="512718512"/>
+        <c:crossAx val="661488400"/>
         <c:crosses val="autoZero"/>
         <c:auto val="1"/>
         <c:lblAlgn val="ctr"/>
@@ -2551,7 +2549,7 @@
         <c:noMultiLvlLbl val="0"/>
       </c:catAx>
       <c:valAx>
-        <c:axId val="512718512"/>
+        <c:axId val="661488400"/>
         <c:scaling>
           <c:orientation val="minMax"/>
           <c:max val="100"/>
@@ -2578,7 +2576,7 @@
             <a:endParaRPr lang="en-US"/>
           </a:p>
         </c:txPr>
-        <c:crossAx val="512844872"/>
+        <c:crossAx val="661485656"/>
         <c:crosses val="autoZero"/>
         <c:crossBetween val="between"/>
         <c:majorUnit val="25"/>
@@ -2610,7 +2608,7 @@
 </file>
 
 <file path=ppt/charts/chart3.xml><?xml version="1.0" encoding="utf-8"?>
-<c:chartSpace xmlns:c="http://schemas.openxmlformats.org/drawingml/2006/chart" xmlns:a="http://schemas.openxmlformats.org/drawingml/2006/main" xmlns:r="http://schemas.openxmlformats.org/officeDocument/2006/relationships" xmlns:c16r2="http://schemas.microsoft.com/office/drawing/2015/06/chart">
+<c:chartSpace xmlns:c="http://schemas.openxmlformats.org/drawingml/2006/chart" xmlns:a="http://schemas.openxmlformats.org/drawingml/2006/main" xmlns:r="http://schemas.openxmlformats.org/officeDocument/2006/relationships">
   <c:date1904 val="0"/>
   <c:lang val="en-US"/>
   <c:roundedCorners val="0"/>
@@ -2679,7 +2677,7 @@
                 </a:solidFill>
               </a:ln>
             </c:spPr>
-            <c:extLst>
+            <c:extLst xmlns:c16r2="http://schemas.microsoft.com/office/drawing/2015/06/chart">
               <c:ext xmlns:c16="http://schemas.microsoft.com/office/drawing/2014/chart" uri="{C3380CC4-5D6E-409C-BE32-E72D297353CC}">
                 <c16:uniqueId val="{00000001-C91D-4975-9F88-E9BAD2E07B18}"/>
               </c:ext>
@@ -2697,7 +2695,7 @@
                 </a:solidFill>
               </a:ln>
             </c:spPr>
-            <c:extLst>
+            <c:extLst xmlns:c16r2="http://schemas.microsoft.com/office/drawing/2015/06/chart">
               <c:ext xmlns:c16="http://schemas.microsoft.com/office/drawing/2014/chart" uri="{C3380CC4-5D6E-409C-BE32-E72D297353CC}">
                 <c16:uniqueId val="{00000003-C91D-4975-9F88-E9BAD2E07B18}"/>
               </c:ext>
@@ -2759,7 +2757,7 @@
               </c:numCache>
             </c:numRef>
           </c:val>
-          <c:extLst>
+          <c:extLst xmlns:c16r2="http://schemas.microsoft.com/office/drawing/2015/06/chart">
             <c:ext xmlns:c16="http://schemas.microsoft.com/office/drawing/2014/chart" uri="{C3380CC4-5D6E-409C-BE32-E72D297353CC}">
               <c16:uniqueId val="{00000004-C91D-4975-9F88-E9BAD2E07B18}"/>
             </c:ext>
@@ -2827,7 +2825,7 @@
               </c:numCache>
             </c:numRef>
           </c:val>
-          <c:extLst>
+          <c:extLst xmlns:c16r2="http://schemas.microsoft.com/office/drawing/2015/06/chart">
             <c:ext xmlns:c16="http://schemas.microsoft.com/office/drawing/2014/chart" uri="{C3380CC4-5D6E-409C-BE32-E72D297353CC}">
               <c16:uniqueId val="{00000005-C91D-4975-9F88-E9BAD2E07B18}"/>
             </c:ext>
@@ -2843,11 +2841,11 @@
         </c:dLbls>
         <c:gapWidth val="43"/>
         <c:overlap val="100"/>
-        <c:axId val="509189736"/>
-        <c:axId val="509188168"/>
+        <c:axId val="661487616"/>
+        <c:axId val="661487224"/>
       </c:barChart>
       <c:catAx>
-        <c:axId val="509189736"/>
+        <c:axId val="661487616"/>
         <c:scaling>
           <c:orientation val="minMax"/>
         </c:scaling>
@@ -2874,7 +2872,7 @@
             <a:endParaRPr lang="en-US"/>
           </a:p>
         </c:txPr>
-        <c:crossAx val="509188168"/>
+        <c:crossAx val="661487224"/>
         <c:crosses val="autoZero"/>
         <c:auto val="1"/>
         <c:lblAlgn val="ctr"/>
@@ -2882,7 +2880,7 @@
         <c:noMultiLvlLbl val="0"/>
       </c:catAx>
       <c:valAx>
-        <c:axId val="509188168"/>
+        <c:axId val="661487224"/>
         <c:scaling>
           <c:orientation val="minMax"/>
           <c:max val="600"/>
@@ -2922,7 +2920,7 @@
             <a:endParaRPr lang="en-US"/>
           </a:p>
         </c:txPr>
-        <c:crossAx val="509189736"/>
+        <c:crossAx val="661487616"/>
         <c:crosses val="autoZero"/>
         <c:crossBetween val="between"/>
         <c:majorUnit val="150"/>
@@ -2949,7 +2947,7 @@
 </file>
 
 <file path=ppt/charts/chart4.xml><?xml version="1.0" encoding="utf-8"?>
-<c:chartSpace xmlns:c="http://schemas.openxmlformats.org/drawingml/2006/chart" xmlns:a="http://schemas.openxmlformats.org/drawingml/2006/main" xmlns:r="http://schemas.openxmlformats.org/officeDocument/2006/relationships" xmlns:c16r2="http://schemas.microsoft.com/office/drawing/2015/06/chart">
+<c:chartSpace xmlns:c="http://schemas.openxmlformats.org/drawingml/2006/chart" xmlns:a="http://schemas.openxmlformats.org/drawingml/2006/main" xmlns:r="http://schemas.openxmlformats.org/officeDocument/2006/relationships">
   <c:date1904 val="0"/>
   <c:lang val="en-US"/>
   <c:roundedCorners val="0"/>
@@ -3057,7 +3055,7 @@
             </c:numRef>
           </c:val>
           <c:smooth val="0"/>
-          <c:extLst>
+          <c:extLst xmlns:c16r2="http://schemas.microsoft.com/office/drawing/2015/06/chart">
             <c:ext xmlns:c16="http://schemas.microsoft.com/office/drawing/2014/chart" uri="{C3380CC4-5D6E-409C-BE32-E72D297353CC}">
               <c16:uniqueId val="{00000000-CA4A-4664-AAB1-7D808AEFD768}"/>
             </c:ext>
@@ -3143,7 +3141,7 @@
             </c:numRef>
           </c:val>
           <c:smooth val="0"/>
-          <c:extLst>
+          <c:extLst xmlns:c16r2="http://schemas.microsoft.com/office/drawing/2015/06/chart">
             <c:ext xmlns:c16="http://schemas.microsoft.com/office/drawing/2014/chart" uri="{C3380CC4-5D6E-409C-BE32-E72D297353CC}">
               <c16:uniqueId val="{00000001-CA4A-4664-AAB1-7D808AEFD768}"/>
             </c:ext>
@@ -3159,11 +3157,11 @@
         </c:dLbls>
         <c:marker val="1"/>
         <c:smooth val="0"/>
-        <c:axId val="510761440"/>
-        <c:axId val="510762616"/>
+        <c:axId val="661486440"/>
+        <c:axId val="661485264"/>
       </c:lineChart>
       <c:catAx>
-        <c:axId val="510761440"/>
+        <c:axId val="661486440"/>
         <c:scaling>
           <c:orientation val="minMax"/>
         </c:scaling>
@@ -3190,7 +3188,7 @@
             <a:endParaRPr lang="en-US"/>
           </a:p>
         </c:txPr>
-        <c:crossAx val="510762616"/>
+        <c:crossAx val="661485264"/>
         <c:crosses val="autoZero"/>
         <c:auto val="1"/>
         <c:lblAlgn val="ctr"/>
@@ -3198,7 +3196,7 @@
         <c:noMultiLvlLbl val="0"/>
       </c:catAx>
       <c:valAx>
-        <c:axId val="510762616"/>
+        <c:axId val="661485264"/>
         <c:scaling>
           <c:orientation val="minMax"/>
           <c:max val="50"/>
@@ -3238,7 +3236,7 @@
             <a:endParaRPr lang="en-US"/>
           </a:p>
         </c:txPr>
-        <c:crossAx val="510761440"/>
+        <c:crossAx val="661486440"/>
         <c:crossesAt val="1"/>
         <c:crossBetween val="between"/>
         <c:majorUnit val="10"/>
@@ -3265,7 +3263,7 @@
 </file>
 
 <file path=ppt/charts/chart5.xml><?xml version="1.0" encoding="utf-8"?>
-<c:chartSpace xmlns:c="http://schemas.openxmlformats.org/drawingml/2006/chart" xmlns:a="http://schemas.openxmlformats.org/drawingml/2006/main" xmlns:r="http://schemas.openxmlformats.org/officeDocument/2006/relationships" xmlns:c16r2="http://schemas.microsoft.com/office/drawing/2015/06/chart">
+<c:chartSpace xmlns:c="http://schemas.openxmlformats.org/drawingml/2006/chart" xmlns:a="http://schemas.openxmlformats.org/drawingml/2006/main" xmlns:r="http://schemas.openxmlformats.org/officeDocument/2006/relationships">
   <c:date1904 val="0"/>
   <c:lang val="en-US"/>
   <c:roundedCorners val="0"/>
@@ -3317,7 +3315,7 @@
                 </a:solidFill>
               </a:ln>
             </c:spPr>
-            <c:extLst>
+            <c:extLst xmlns:c16r2="http://schemas.microsoft.com/office/drawing/2015/06/chart">
               <c:ext xmlns:c16="http://schemas.microsoft.com/office/drawing/2014/chart" uri="{C3380CC4-5D6E-409C-BE32-E72D297353CC}">
                 <c16:uniqueId val="{00000001-4C13-4457-80FA-745A818FE9E9}"/>
               </c:ext>
@@ -3337,7 +3335,7 @@
                 </a:solidFill>
               </a:ln>
             </c:spPr>
-            <c:extLst>
+            <c:extLst xmlns:c16r2="http://schemas.microsoft.com/office/drawing/2015/06/chart">
               <c:ext xmlns:c16="http://schemas.microsoft.com/office/drawing/2014/chart" uri="{C3380CC4-5D6E-409C-BE32-E72D297353CC}">
                 <c16:uniqueId val="{00000003-4C13-4457-80FA-745A818FE9E9}"/>
               </c:ext>
@@ -3356,7 +3354,7 @@
                 </a:solidFill>
               </a:ln>
             </c:spPr>
-            <c:extLst>
+            <c:extLst xmlns:c16r2="http://schemas.microsoft.com/office/drawing/2015/06/chart">
               <c:ext xmlns:c16="http://schemas.microsoft.com/office/drawing/2014/chart" uri="{C3380CC4-5D6E-409C-BE32-E72D297353CC}">
                 <c16:uniqueId val="{00000005-4C13-4457-80FA-745A818FE9E9}"/>
               </c:ext>
@@ -3397,7 +3395,7 @@
               </c:numCache>
             </c:numRef>
           </c:val>
-          <c:extLst>
+          <c:extLst xmlns:c16r2="http://schemas.microsoft.com/office/drawing/2015/06/chart">
             <c:ext xmlns:c16="http://schemas.microsoft.com/office/drawing/2014/chart" uri="{C3380CC4-5D6E-409C-BE32-E72D297353CC}">
               <c16:uniqueId val="{00000006-4C13-4457-80FA-745A818FE9E9}"/>
             </c:ext>
@@ -3436,7 +3434,7 @@
 </file>
 
 <file path=ppt/charts/chart6.xml><?xml version="1.0" encoding="utf-8"?>
-<c:chartSpace xmlns:c="http://schemas.openxmlformats.org/drawingml/2006/chart" xmlns:a="http://schemas.openxmlformats.org/drawingml/2006/main" xmlns:r="http://schemas.openxmlformats.org/officeDocument/2006/relationships" xmlns:c16r2="http://schemas.microsoft.com/office/drawing/2015/06/chart">
+<c:chartSpace xmlns:c="http://schemas.openxmlformats.org/drawingml/2006/chart" xmlns:a="http://schemas.openxmlformats.org/drawingml/2006/main" xmlns:r="http://schemas.openxmlformats.org/officeDocument/2006/relationships">
   <c:date1904 val="0"/>
   <c:lang val="en-US"/>
   <c:roundedCorners val="0"/>
@@ -3521,7 +3519,7 @@
               </c:numCache>
             </c:numRef>
           </c:val>
-          <c:extLst>
+          <c:extLst xmlns:c16r2="http://schemas.microsoft.com/office/drawing/2015/06/chart">
             <c:ext xmlns:c16="http://schemas.microsoft.com/office/drawing/2014/chart" uri="{C3380CC4-5D6E-409C-BE32-E72D297353CC}">
               <c16:uniqueId val="{00000004-5209-4D50-B579-8C7A94DE13DE}"/>
             </c:ext>
@@ -3581,7 +3579,7 @@
               </c:numCache>
             </c:numRef>
           </c:val>
-          <c:extLst>
+          <c:extLst xmlns:c16r2="http://schemas.microsoft.com/office/drawing/2015/06/chart">
             <c:ext xmlns:c16="http://schemas.microsoft.com/office/drawing/2014/chart" uri="{C3380CC4-5D6E-409C-BE32-E72D297353CC}">
               <c16:uniqueId val="{00000006-5209-4D50-B579-8C7A94DE13DE}"/>
             </c:ext>
@@ -3641,7 +3639,7 @@
               </c:numCache>
             </c:numRef>
           </c:val>
-          <c:extLst>
+          <c:extLst xmlns:c16r2="http://schemas.microsoft.com/office/drawing/2015/06/chart">
             <c:ext xmlns:c16="http://schemas.microsoft.com/office/drawing/2014/chart" uri="{C3380CC4-5D6E-409C-BE32-E72D297353CC}">
               <c16:uniqueId val="{00000008-5209-4D50-B579-8C7A94DE13DE}"/>
             </c:ext>
@@ -3657,11 +3655,11 @@
         </c:dLbls>
         <c:gapWidth val="300"/>
         <c:overlap val="100"/>
-        <c:axId val="331915264"/>
-        <c:axId val="331917184"/>
+        <c:axId val="661497416"/>
+        <c:axId val="661497808"/>
       </c:barChart>
       <c:catAx>
-        <c:axId val="331915264"/>
+        <c:axId val="661497416"/>
         <c:scaling>
           <c:orientation val="minMax"/>
         </c:scaling>
@@ -3688,7 +3686,7 @@
             <a:endParaRPr lang="en-US"/>
           </a:p>
         </c:txPr>
-        <c:crossAx val="331917184"/>
+        <c:crossAx val="661497808"/>
         <c:crosses val="autoZero"/>
         <c:auto val="1"/>
         <c:lblAlgn val="ctr"/>
@@ -3696,7 +3694,7 @@
         <c:noMultiLvlLbl val="0"/>
       </c:catAx>
       <c:valAx>
-        <c:axId val="331917184"/>
+        <c:axId val="661497808"/>
         <c:scaling>
           <c:orientation val="minMax"/>
           <c:max val="100"/>
@@ -3736,7 +3734,7 @@
             <a:endParaRPr lang="en-US"/>
           </a:p>
         </c:txPr>
-        <c:crossAx val="331915264"/>
+        <c:crossAx val="661497416"/>
         <c:crosses val="autoZero"/>
         <c:crossBetween val="between"/>
         <c:majorUnit val="25"/>
@@ -3763,7 +3761,7 @@
 </file>
 
 <file path=ppt/charts/chart7.xml><?xml version="1.0" encoding="utf-8"?>
-<c:chartSpace xmlns:c="http://schemas.openxmlformats.org/drawingml/2006/chart" xmlns:a="http://schemas.openxmlformats.org/drawingml/2006/main" xmlns:r="http://schemas.openxmlformats.org/officeDocument/2006/relationships" xmlns:c16r2="http://schemas.microsoft.com/office/drawing/2015/06/chart">
+<c:chartSpace xmlns:c="http://schemas.openxmlformats.org/drawingml/2006/chart" xmlns:a="http://schemas.openxmlformats.org/drawingml/2006/main" xmlns:r="http://schemas.openxmlformats.org/officeDocument/2006/relationships">
   <c:date1904 val="0"/>
   <c:lang val="en-US"/>
   <c:roundedCorners val="0"/>
@@ -3869,7 +3867,7 @@
             </c:numRef>
           </c:val>
           <c:smooth val="0"/>
-          <c:extLst>
+          <c:extLst xmlns:c16r2="http://schemas.microsoft.com/office/drawing/2015/06/chart">
             <c:ext xmlns:c16="http://schemas.microsoft.com/office/drawing/2014/chart" uri="{C3380CC4-5D6E-409C-BE32-E72D297353CC}">
               <c16:uniqueId val="{00000000-9BE9-4984-B91C-78917B2D912D}"/>
             </c:ext>
@@ -3921,7 +3919,7 @@
                 <a:prstDash val="sysDash"/>
               </a:ln>
             </c:spPr>
-            <c:extLst>
+            <c:extLst xmlns:c16r2="http://schemas.microsoft.com/office/drawing/2015/06/chart">
               <c:ext xmlns:c16="http://schemas.microsoft.com/office/drawing/2014/chart" uri="{C3380CC4-5D6E-409C-BE32-E72D297353CC}">
                 <c16:uniqueId val="{00000002-9BE9-4984-B91C-78917B2D912D}"/>
               </c:ext>
@@ -3969,7 +3967,7 @@
             </c:numRef>
           </c:val>
           <c:smooth val="0"/>
-          <c:extLst>
+          <c:extLst xmlns:c16r2="http://schemas.microsoft.com/office/drawing/2015/06/chart">
             <c:ext xmlns:c16="http://schemas.microsoft.com/office/drawing/2014/chart" uri="{C3380CC4-5D6E-409C-BE32-E72D297353CC}">
               <c16:uniqueId val="{00000003-9BE9-4984-B91C-78917B2D912D}"/>
             </c:ext>
@@ -4022,7 +4020,7 @@
                 <a:prstDash val="solid"/>
               </a:ln>
             </c:spPr>
-            <c:extLst>
+            <c:extLst xmlns:c16r2="http://schemas.microsoft.com/office/drawing/2015/06/chart">
               <c:ext xmlns:c16="http://schemas.microsoft.com/office/drawing/2014/chart" uri="{C3380CC4-5D6E-409C-BE32-E72D297353CC}">
                 <c16:uniqueId val="{00000005-9BE9-4984-B91C-78917B2D912D}"/>
               </c:ext>
@@ -4070,7 +4068,7 @@
             </c:numRef>
           </c:val>
           <c:smooth val="0"/>
-          <c:extLst>
+          <c:extLst xmlns:c16r2="http://schemas.microsoft.com/office/drawing/2015/06/chart">
             <c:ext xmlns:c16="http://schemas.microsoft.com/office/drawing/2014/chart" uri="{C3380CC4-5D6E-409C-BE32-E72D297353CC}">
               <c16:uniqueId val="{00000006-9BE9-4984-B91C-78917B2D912D}"/>
             </c:ext>
@@ -4086,11 +4084,11 @@
         </c:dLbls>
         <c:marker val="1"/>
         <c:smooth val="0"/>
-        <c:axId val="429453064"/>
-        <c:axId val="429453456"/>
+        <c:axId val="661498984"/>
+        <c:axId val="661499376"/>
       </c:lineChart>
       <c:catAx>
-        <c:axId val="429453064"/>
+        <c:axId val="661498984"/>
         <c:scaling>
           <c:orientation val="minMax"/>
         </c:scaling>
@@ -4107,7 +4105,7 @@
             </a:solidFill>
           </a:ln>
         </c:spPr>
-        <c:crossAx val="429453456"/>
+        <c:crossAx val="661499376"/>
         <c:crossesAt val="140"/>
         <c:auto val="1"/>
         <c:lblAlgn val="ctr"/>
@@ -4115,7 +4113,7 @@
         <c:noMultiLvlLbl val="0"/>
       </c:catAx>
       <c:valAx>
-        <c:axId val="429453456"/>
+        <c:axId val="661499376"/>
         <c:scaling>
           <c:orientation val="minMax"/>
           <c:max val="350"/>
@@ -4154,7 +4152,7 @@
             <a:endParaRPr lang="en-US"/>
           </a:p>
         </c:txPr>
-        <c:crossAx val="429453064"/>
+        <c:crossAx val="661498984"/>
         <c:crossesAt val="1"/>
         <c:crossBetween val="between"/>
         <c:majorUnit val="50"/>
@@ -4181,7 +4179,7 @@
 </file>
 
 <file path=ppt/charts/chart8.xml><?xml version="1.0" encoding="utf-8"?>
-<c:chartSpace xmlns:c="http://schemas.openxmlformats.org/drawingml/2006/chart" xmlns:a="http://schemas.openxmlformats.org/drawingml/2006/main" xmlns:r="http://schemas.openxmlformats.org/officeDocument/2006/relationships" xmlns:c16r2="http://schemas.microsoft.com/office/drawing/2015/06/chart">
+<c:chartSpace xmlns:c="http://schemas.openxmlformats.org/drawingml/2006/chart" xmlns:a="http://schemas.openxmlformats.org/drawingml/2006/main" xmlns:r="http://schemas.openxmlformats.org/officeDocument/2006/relationships">
   <c:date1904 val="0"/>
   <c:lang val="en-US"/>
   <c:roundedCorners val="0"/>
@@ -4271,7 +4269,7 @@
               </c:numCache>
             </c:numRef>
           </c:val>
-          <c:extLst>
+          <c:extLst xmlns:c16r2="http://schemas.microsoft.com/office/drawing/2015/06/chart">
             <c:ext xmlns:c16="http://schemas.microsoft.com/office/drawing/2014/chart" uri="{C3380CC4-5D6E-409C-BE32-E72D297353CC}">
               <c16:uniqueId val="{00000000-49DB-4A2A-A193-CA159BEDA707}"/>
             </c:ext>
@@ -4337,7 +4335,7 @@
               </c:numCache>
             </c:numRef>
           </c:val>
-          <c:extLst>
+          <c:extLst xmlns:c16r2="http://schemas.microsoft.com/office/drawing/2015/06/chart">
             <c:ext xmlns:c16="http://schemas.microsoft.com/office/drawing/2014/chart" uri="{C3380CC4-5D6E-409C-BE32-E72D297353CC}">
               <c16:uniqueId val="{00000001-49DB-4A2A-A193-CA159BEDA707}"/>
             </c:ext>
@@ -4403,7 +4401,7 @@
               </c:numCache>
             </c:numRef>
           </c:val>
-          <c:extLst>
+          <c:extLst xmlns:c16r2="http://schemas.microsoft.com/office/drawing/2015/06/chart">
             <c:ext xmlns:c16="http://schemas.microsoft.com/office/drawing/2014/chart" uri="{C3380CC4-5D6E-409C-BE32-E72D297353CC}">
               <c16:uniqueId val="{00000002-49DB-4A2A-A193-CA159BEDA707}"/>
             </c:ext>
@@ -4417,13 +4415,13 @@
           <c:showPercent val="0"/>
           <c:showBubbleSize val="0"/>
         </c:dLbls>
-        <c:gapWidth val="70"/>
+        <c:gapWidth val="110"/>
         <c:overlap val="100"/>
-        <c:axId val="424918280"/>
-        <c:axId val="424917104"/>
+        <c:axId val="483446952"/>
+        <c:axId val="483444992"/>
       </c:barChart>
       <c:catAx>
-        <c:axId val="424918280"/>
+        <c:axId val="483446952"/>
         <c:scaling>
           <c:orientation val="minMax"/>
         </c:scaling>
@@ -4450,7 +4448,7 @@
             <a:endParaRPr lang="en-US"/>
           </a:p>
         </c:txPr>
-        <c:crossAx val="424917104"/>
+        <c:crossAx val="483444992"/>
         <c:crosses val="autoZero"/>
         <c:auto val="1"/>
         <c:lblAlgn val="ctr"/>
@@ -4458,7 +4456,7 @@
         <c:noMultiLvlLbl val="0"/>
       </c:catAx>
       <c:valAx>
-        <c:axId val="424917104"/>
+        <c:axId val="483444992"/>
         <c:scaling>
           <c:orientation val="minMax"/>
           <c:max val="100"/>
@@ -4498,7 +4496,7 @@
             <a:endParaRPr lang="en-US"/>
           </a:p>
         </c:txPr>
-        <c:crossAx val="424918280"/>
+        <c:crossAx val="483446952"/>
         <c:crossesAt val="1"/>
         <c:crossBetween val="between"/>
         <c:majorUnit val="20"/>
@@ -4536,7 +4534,7 @@
 </file>
 
 <file path=ppt/charts/chart9.xml><?xml version="1.0" encoding="utf-8"?>
-<c:chartSpace xmlns:c="http://schemas.openxmlformats.org/drawingml/2006/chart" xmlns:a="http://schemas.openxmlformats.org/drawingml/2006/main" xmlns:r="http://schemas.openxmlformats.org/officeDocument/2006/relationships" xmlns:c16r2="http://schemas.microsoft.com/office/drawing/2015/06/chart">
+<c:chartSpace xmlns:c="http://schemas.openxmlformats.org/drawingml/2006/chart" xmlns:a="http://schemas.openxmlformats.org/drawingml/2006/main" xmlns:r="http://schemas.openxmlformats.org/officeDocument/2006/relationships">
   <c:date1904 val="0"/>
   <c:lang val="en-US"/>
   <c:roundedCorners val="0"/>
@@ -4623,7 +4621,7 @@
               </c:numCache>
             </c:numRef>
           </c:val>
-          <c:extLst>
+          <c:extLst xmlns:c16r2="http://schemas.microsoft.com/office/drawing/2015/06/chart">
             <c:ext xmlns:c16="http://schemas.microsoft.com/office/drawing/2014/chart" uri="{C3380CC4-5D6E-409C-BE32-E72D297353CC}">
               <c16:uniqueId val="{00000000-56E9-4536-9410-9A28D00DB853}"/>
             </c:ext>
@@ -4670,7 +4668,7 @@
               </a:ln>
               <a:effectLst/>
             </c:spPr>
-            <c:extLst>
+            <c:extLst xmlns:c16r2="http://schemas.microsoft.com/office/drawing/2015/06/chart">
               <c:ext xmlns:c16="http://schemas.microsoft.com/office/drawing/2014/chart" uri="{C3380CC4-5D6E-409C-BE32-E72D297353CC}">
                 <c16:uniqueId val="{00000002-56E9-4536-9410-9A28D00DB853}"/>
               </c:ext>
@@ -4691,7 +4689,7 @@
               </a:ln>
               <a:effectLst/>
             </c:spPr>
-            <c:extLst>
+            <c:extLst xmlns:c16r2="http://schemas.microsoft.com/office/drawing/2015/06/chart">
               <c:ext xmlns:c16="http://schemas.microsoft.com/office/drawing/2014/chart" uri="{C3380CC4-5D6E-409C-BE32-E72D297353CC}">
                 <c16:uniqueId val="{00000004-56E9-4536-9410-9A28D00DB853}"/>
               </c:ext>
@@ -4712,7 +4710,7 @@
               </a:ln>
               <a:effectLst/>
             </c:spPr>
-            <c:extLst>
+            <c:extLst xmlns:c16r2="http://schemas.microsoft.com/office/drawing/2015/06/chart">
               <c:ext xmlns:c16="http://schemas.microsoft.com/office/drawing/2014/chart" uri="{C3380CC4-5D6E-409C-BE32-E72D297353CC}">
                 <c16:uniqueId val="{00000006-56E9-4536-9410-9A28D00DB853}"/>
               </c:ext>
@@ -4724,7 +4722,7 @@
             <c:bubble3D val="0"/>
             <c:spPr>
               <a:solidFill>
-                <a:schemeClr val="tx1"/>
+                <a:schemeClr val="bg2"/>
               </a:solidFill>
               <a:ln w="3175">
                 <a:solidFill>
@@ -4733,7 +4731,7 @@
               </a:ln>
               <a:effectLst/>
             </c:spPr>
-            <c:extLst>
+            <c:extLst xmlns:c16r2="http://schemas.microsoft.com/office/drawing/2015/06/chart">
               <c:ext xmlns:c16="http://schemas.microsoft.com/office/drawing/2014/chart" uri="{C3380CC4-5D6E-409C-BE32-E72D297353CC}">
                 <c16:uniqueId val="{00000008-56E9-4536-9410-9A28D00DB853}"/>
               </c:ext>
@@ -4754,10 +4752,12 @@
               <c:showSerName val="0"/>
               <c:showPercent val="0"/>
               <c:showBubbleSize val="0"/>
-              <c:extLst>
-                <c:ext xmlns:c15="http://schemas.microsoft.com/office/drawing/2012/chart" uri="{CE6537A1-D6FC-4f65-9D91-7224C49458BB}"/>
+              <c:extLst xmlns:c16r2="http://schemas.microsoft.com/office/drawing/2015/06/chart">
                 <c:ext xmlns:c16="http://schemas.microsoft.com/office/drawing/2014/chart" uri="{C3380CC4-5D6E-409C-BE32-E72D297353CC}">
                   <c16:uniqueId val="{00000004-56E9-4536-9410-9A28D00DB853}"/>
+                </c:ext>
+                <c:ext xmlns:c15="http://schemas.microsoft.com/office/drawing/2012/chart" uri="{CE6537A1-D6FC-4f65-9D91-7224C49458BB}">
+                  <c15:layout/>
                 </c:ext>
               </c:extLst>
             </c:dLbl>
@@ -4797,15 +4797,18 @@
               <c:showSerName val="0"/>
               <c:showPercent val="0"/>
               <c:showBubbleSize val="0"/>
-              <c:extLst>
-                <c:ext xmlns:c15="http://schemas.microsoft.com/office/drawing/2012/chart" uri="{CE6537A1-D6FC-4f65-9D91-7224C49458BB}"/>
+              <c:extLst xmlns:c16r2="http://schemas.microsoft.com/office/drawing/2015/06/chart">
                 <c:ext xmlns:c16="http://schemas.microsoft.com/office/drawing/2014/chart" uri="{C3380CC4-5D6E-409C-BE32-E72D297353CC}">
                   <c16:uniqueId val="{00000006-56E9-4536-9410-9A28D00DB853}"/>
+                </c:ext>
+                <c:ext xmlns:c15="http://schemas.microsoft.com/office/drawing/2012/chart" uri="{CE6537A1-D6FC-4f65-9D91-7224C49458BB}">
+                  <c15:layout/>
                 </c:ext>
               </c:extLst>
             </c:dLbl>
             <c:dLbl>
               <c:idx val="3"/>
+              <c:layout/>
               <c:tx>
                 <c:rich>
                   <a:bodyPr/>
@@ -4837,13 +4840,14 @@
               <c:showSerName val="0"/>
               <c:showPercent val="0"/>
               <c:showBubbleSize val="0"/>
-              <c:extLst>
+              <c:extLst xmlns:c16r2="http://schemas.microsoft.com/office/drawing/2015/06/chart">
+                <c:ext xmlns:c16="http://schemas.microsoft.com/office/drawing/2014/chart" uri="{C3380CC4-5D6E-409C-BE32-E72D297353CC}">
+                  <c16:uniqueId val="{00000008-56E9-4536-9410-9A28D00DB853}"/>
+                </c:ext>
                 <c:ext xmlns:c15="http://schemas.microsoft.com/office/drawing/2012/chart" uri="{CE6537A1-D6FC-4f65-9D91-7224C49458BB}">
+                  <c15:layout/>
                   <c15:dlblFieldTable/>
                   <c15:showDataLabelsRange val="0"/>
-                </c:ext>
-                <c:ext xmlns:c16="http://schemas.microsoft.com/office/drawing/2014/chart" uri="{C3380CC4-5D6E-409C-BE32-E72D297353CC}">
-                  <c16:uniqueId val="{00000008-56E9-4536-9410-9A28D00DB853}"/>
                 </c:ext>
               </c:extLst>
             </c:dLbl>
@@ -4872,8 +4876,9 @@
             <c:showPercent val="0"/>
             <c:showBubbleSize val="0"/>
             <c:showLeaderLines val="0"/>
-            <c:extLst>
+            <c:extLst xmlns:c16r2="http://schemas.microsoft.com/office/drawing/2015/06/chart">
               <c:ext xmlns:c15="http://schemas.microsoft.com/office/drawing/2012/chart" uri="{CE6537A1-D6FC-4f65-9D91-7224C49458BB}">
+                <c15:layout/>
                 <c15:showLeaderLines val="0"/>
               </c:ext>
             </c:extLst>
@@ -4919,7 +4924,7 @@
               </c:numCache>
             </c:numRef>
           </c:val>
-          <c:extLst>
+          <c:extLst xmlns:c16r2="http://schemas.microsoft.com/office/drawing/2015/06/chart">
             <c:ext xmlns:c16="http://schemas.microsoft.com/office/drawing/2014/chart" uri="{C3380CC4-5D6E-409C-BE32-E72D297353CC}">
               <c16:uniqueId val="{00000009-56E9-4536-9410-9A28D00DB853}"/>
             </c:ext>
@@ -4935,8 +4940,8 @@
         </c:dLbls>
         <c:gapWidth val="70"/>
         <c:overlap val="100"/>
-        <c:axId val="509190520"/>
-        <c:axId val="509191304"/>
+        <c:axId val="661500160"/>
+        <c:axId val="661499768"/>
       </c:barChart>
       <c:scatterChart>
         <c:scatterStyle val="lineMarker"/>
@@ -4963,7 +4968,7 @@
                 <a:noFill/>
               </a:ln>
             </c:spPr>
-            <c:extLst>
+            <c:extLst xmlns:c16r2="http://schemas.microsoft.com/office/drawing/2015/06/chart">
               <c:ext xmlns:c16="http://schemas.microsoft.com/office/drawing/2014/chart" uri="{C3380CC4-5D6E-409C-BE32-E72D297353CC}">
                 <c16:uniqueId val="{0000000B-56E9-4536-9410-9A28D00DB853}"/>
               </c:ext>
@@ -4972,7 +4977,7 @@
           <c:dPt>
             <c:idx val="1"/>
             <c:bubble3D val="0"/>
-            <c:extLst>
+            <c:extLst xmlns:c16r2="http://schemas.microsoft.com/office/drawing/2015/06/chart">
               <c:ext xmlns:c16="http://schemas.microsoft.com/office/drawing/2014/chart" uri="{C3380CC4-5D6E-409C-BE32-E72D297353CC}">
                 <c16:uniqueId val="{0000000D-56E9-4536-9410-9A28D00DB853}"/>
               </c:ext>
@@ -4981,7 +4986,7 @@
           <c:dPt>
             <c:idx val="2"/>
             <c:bubble3D val="0"/>
-            <c:extLst>
+            <c:extLst xmlns:c16r2="http://schemas.microsoft.com/office/drawing/2015/06/chart">
               <c:ext xmlns:c16="http://schemas.microsoft.com/office/drawing/2014/chart" uri="{C3380CC4-5D6E-409C-BE32-E72D297353CC}">
                 <c16:uniqueId val="{0000000F-56E9-4536-9410-9A28D00DB853}"/>
               </c:ext>
@@ -5036,7 +5041,7 @@
             </c:numRef>
           </c:yVal>
           <c:smooth val="0"/>
-          <c:extLst>
+          <c:extLst xmlns:c16r2="http://schemas.microsoft.com/office/drawing/2015/06/chart">
             <c:ext xmlns:c16="http://schemas.microsoft.com/office/drawing/2014/chart" uri="{C3380CC4-5D6E-409C-BE32-E72D297353CC}">
               <c16:uniqueId val="{00000010-56E9-4536-9410-9A28D00DB853}"/>
             </c:ext>
@@ -5050,11 +5055,11 @@
           <c:showPercent val="0"/>
           <c:showBubbleSize val="0"/>
         </c:dLbls>
-        <c:axId val="509190520"/>
-        <c:axId val="509191304"/>
+        <c:axId val="661500160"/>
+        <c:axId val="661499768"/>
       </c:scatterChart>
       <c:catAx>
-        <c:axId val="509190520"/>
+        <c:axId val="661500160"/>
         <c:scaling>
           <c:orientation val="minMax"/>
         </c:scaling>
@@ -5071,7 +5076,7 @@
             </a:solidFill>
           </a:ln>
         </c:spPr>
-        <c:crossAx val="509191304"/>
+        <c:crossAx val="661499768"/>
         <c:crosses val="autoZero"/>
         <c:auto val="1"/>
         <c:lblAlgn val="ctr"/>
@@ -5079,7 +5084,7 @@
         <c:noMultiLvlLbl val="0"/>
       </c:catAx>
       <c:valAx>
-        <c:axId val="509191304"/>
+        <c:axId val="661499768"/>
         <c:scaling>
           <c:orientation val="minMax"/>
           <c:max val="25"/>
@@ -5109,7 +5114,7 @@
             </a:solidFill>
           </a:ln>
         </c:spPr>
-        <c:crossAx val="509190520"/>
+        <c:crossAx val="661500160"/>
         <c:crosses val="autoZero"/>
         <c:crossBetween val="between"/>
         <c:majorUnit val="5"/>
@@ -5443,12 +5448,12 @@
 <c:userShapes xmlns:c="http://schemas.openxmlformats.org/drawingml/2006/chart">
   <cdr:relSizeAnchor xmlns:cdr="http://schemas.openxmlformats.org/drawingml/2006/chartDrawing">
     <cdr:from>
-      <cdr:x>0.1916</cdr:x>
-      <cdr:y>0.67</cdr:y>
+      <cdr:x>0.17987</cdr:x>
+      <cdr:y>0.6569</cdr:y>
     </cdr:from>
     <cdr:to>
-      <cdr:x>0.42817</cdr:x>
-      <cdr:y>0.71936</cdr:y>
+      <cdr:x>0.41644</cdr:x>
+      <cdr:y>0.75564</cdr:y>
     </cdr:to>
     <cdr:sp macro="" textlink="">
       <cdr:nvSpPr>
@@ -5457,8 +5462,8 @@
       </cdr:nvSpPr>
       <cdr:spPr>
         <a:xfrm xmlns:a="http://schemas.openxmlformats.org/drawingml/2006/main">
-          <a:off x="1866213" y="4594860"/>
-          <a:ext cx="2304178" cy="338511"/>
+          <a:off x="1751960" y="4505048"/>
+          <a:ext cx="2304179" cy="677108"/>
         </a:xfrm>
         <a:prstGeom xmlns:a="http://schemas.openxmlformats.org/drawingml/2006/main" prst="rect">
           <a:avLst/>
@@ -5473,25 +5478,41 @@
         <a:p xmlns:a="http://schemas.openxmlformats.org/drawingml/2006/main">
           <a:pPr algn="ctr"/>
           <a:r>
-            <a:rPr lang="en-AU" sz="2200" b="0" dirty="0">
+            <a:rPr lang="en-AU" sz="2200" b="0" dirty="0" smtClean="0">
               <a:solidFill>
                 <a:schemeClr val="tx1"/>
               </a:solidFill>
             </a:rPr>
-            <a:t>Project budget</a:t>
+            <a:t>Project</a:t>
           </a:r>
+        </a:p>
+        <a:p xmlns:a="http://schemas.openxmlformats.org/drawingml/2006/main">
+          <a:pPr algn="ctr"/>
+          <a:r>
+            <a:rPr lang="en-AU" sz="2200" b="0" dirty="0" smtClean="0">
+              <a:solidFill>
+                <a:schemeClr val="tx1"/>
+              </a:solidFill>
+            </a:rPr>
+            <a:t>budget</a:t>
+          </a:r>
+          <a:endParaRPr lang="en-AU" sz="2200" b="0" dirty="0">
+            <a:solidFill>
+              <a:schemeClr val="tx1"/>
+            </a:solidFill>
+          </a:endParaRPr>
         </a:p>
       </cdr:txBody>
     </cdr:sp>
   </cdr:relSizeAnchor>
   <cdr:relSizeAnchor xmlns:cdr="http://schemas.openxmlformats.org/drawingml/2006/chartDrawing">
     <cdr:from>
-      <cdr:x>0.63808</cdr:x>
-      <cdr:y>0.67</cdr:y>
+      <cdr:x>0.63691</cdr:x>
+      <cdr:y>0.65299</cdr:y>
     </cdr:from>
     <cdr:to>
-      <cdr:x>0.87466</cdr:x>
-      <cdr:y>0.71936</cdr:y>
+      <cdr:x>0.87349</cdr:x>
+      <cdr:y>0.75172</cdr:y>
     </cdr:to>
     <cdr:sp macro="" textlink="">
       <cdr:nvSpPr>
@@ -5500,8 +5521,8 @@
       </cdr:nvSpPr>
       <cdr:spPr>
         <a:xfrm xmlns:a="http://schemas.openxmlformats.org/drawingml/2006/main">
-          <a:off x="6214903" y="4594860"/>
-          <a:ext cx="2304276" cy="338511"/>
+          <a:off x="6203480" y="4478195"/>
+          <a:ext cx="2304276" cy="677108"/>
         </a:xfrm>
         <a:prstGeom xmlns:a="http://schemas.openxmlformats.org/drawingml/2006/main" prst="rect">
           <a:avLst/>
@@ -5580,13 +5601,29 @@
         <a:p xmlns:a="http://schemas.openxmlformats.org/drawingml/2006/main">
           <a:pPr algn="ctr"/>
           <a:r>
-            <a:rPr lang="en-AU" sz="2200" b="0" dirty="0">
+            <a:rPr lang="en-AU" sz="2200" b="0" dirty="0" smtClean="0">
               <a:solidFill>
                 <a:schemeClr val="tx1"/>
               </a:solidFill>
             </a:rPr>
-            <a:t>Project budget</a:t>
+            <a:t>Project</a:t>
           </a:r>
+        </a:p>
+        <a:p xmlns:a="http://schemas.openxmlformats.org/drawingml/2006/main">
+          <a:pPr algn="ctr"/>
+          <a:r>
+            <a:rPr lang="en-AU" sz="2200" b="0" dirty="0" smtClean="0">
+              <a:solidFill>
+                <a:schemeClr val="tx1"/>
+              </a:solidFill>
+            </a:rPr>
+            <a:t>budget</a:t>
+          </a:r>
+          <a:endParaRPr lang="en-AU" sz="2200" b="0" dirty="0">
+            <a:solidFill>
+              <a:schemeClr val="tx1"/>
+            </a:solidFill>
+          </a:endParaRPr>
         </a:p>
       </cdr:txBody>
     </cdr:sp>
@@ -5676,7 +5713,7 @@
           <a:p>
             <a:fld id="{EFC9C15E-BCC7-7848-B45B-7DE616F22962}" type="datetimeFigureOut">
               <a:rPr lang="en-US" smtClean="0"/>
-              <a:t>10/21/2016</a:t>
+              <a:t>10/22/2016</a:t>
             </a:fld>
             <a:endParaRPr lang="en-US"/>
           </a:p>
@@ -12722,7 +12759,7 @@
           <p:nvPr>
             <p:extLst>
               <p:ext uri="{D42A27DB-BD31-4B8C-83A1-F6EECF244321}">
-                <p14:modId xmlns:p14="http://schemas.microsoft.com/office/powerpoint/2010/main" val="685851481"/>
+                <p14:modId xmlns:p14="http://schemas.microsoft.com/office/powerpoint/2010/main" val="3629015948"/>
               </p:ext>
             </p:extLst>
           </p:nvPr>
@@ -14542,7 +14579,7 @@
           <p:nvPr>
             <p:extLst>
               <p:ext uri="{D42A27DB-BD31-4B8C-83A1-F6EECF244321}">
-                <p14:modId xmlns:p14="http://schemas.microsoft.com/office/powerpoint/2010/main" val="2259715650"/>
+                <p14:modId xmlns:p14="http://schemas.microsoft.com/office/powerpoint/2010/main" val="3166700917"/>
               </p:ext>
             </p:extLst>
           </p:nvPr>
@@ -16046,7 +16083,7 @@
         </p:nvSpPr>
         <p:spPr>
           <a:xfrm>
-            <a:off x="3611763" y="600363"/>
+            <a:off x="3623052" y="332656"/>
             <a:ext cx="3103982" cy="1015663"/>
           </a:xfrm>
           <a:prstGeom prst="rect">
@@ -16107,7 +16144,7 @@
         </p:nvSpPr>
         <p:spPr>
           <a:xfrm>
-            <a:off x="3611763" y="2145630"/>
+            <a:off x="3623052" y="2381108"/>
             <a:ext cx="3103982" cy="1015663"/>
           </a:xfrm>
           <a:prstGeom prst="rect">
@@ -16168,7 +16205,7 @@
         </p:nvSpPr>
         <p:spPr>
           <a:xfrm>
-            <a:off x="3611763" y="3768715"/>
+            <a:off x="3623052" y="4429561"/>
             <a:ext cx="3103982" cy="1015663"/>
           </a:xfrm>
           <a:prstGeom prst="rect">
